--- a/codeCoverage.pptx
+++ b/codeCoverage.pptx
@@ -1097,7 +1097,7 @@
   <p:cSld>
     <p:spTree>
       <p:nvGrpSpPr>
-        <p:cNvPr id="77" name="Shape 77"/>
+        <p:cNvPr id="78" name="Shape 78"/>
         <p:cNvGrpSpPr/>
         <p:nvPr/>
       </p:nvGrpSpPr>
@@ -1111,7 +1111,7 @@
       </p:grpSpPr>
       <p:sp>
         <p:nvSpPr>
-          <p:cNvPr id="78" name="Google Shape;78;g269324cc4ea_0_67:notes"/>
+          <p:cNvPr id="79" name="Google Shape;79;g269324cc4ea_0_67:notes"/>
           <p:cNvSpPr/>
           <p:nvPr>
             <p:ph idx="2" type="sldImg"/>
@@ -1146,7 +1146,7 @@
       </p:sp>
       <p:sp>
         <p:nvSpPr>
-          <p:cNvPr id="79" name="Google Shape;79;g269324cc4ea_0_67:notes"/>
+          <p:cNvPr id="80" name="Google Shape;80;g269324cc4ea_0_67:notes"/>
           <p:cNvSpPr txBox="1"/>
           <p:nvPr>
             <p:ph idx="1" type="body"/>
@@ -1196,7 +1196,7 @@
   <p:cSld>
     <p:spTree>
       <p:nvGrpSpPr>
-        <p:cNvPr id="89" name="Shape 89"/>
+        <p:cNvPr id="90" name="Shape 90"/>
         <p:cNvGrpSpPr/>
         <p:nvPr/>
       </p:nvGrpSpPr>
@@ -1210,7 +1210,7 @@
       </p:grpSpPr>
       <p:sp>
         <p:nvSpPr>
-          <p:cNvPr id="90" name="Google Shape;90;g2b96390a656_0_0:notes"/>
+          <p:cNvPr id="91" name="Google Shape;91;g2b96390a656_0_0:notes"/>
           <p:cNvSpPr/>
           <p:nvPr>
             <p:ph idx="2" type="sldImg"/>
@@ -1245,7 +1245,7 @@
       </p:sp>
       <p:sp>
         <p:nvSpPr>
-          <p:cNvPr id="91" name="Google Shape;91;g2b96390a656_0_0:notes"/>
+          <p:cNvPr id="92" name="Google Shape;92;g2b96390a656_0_0:notes"/>
           <p:cNvSpPr txBox="1"/>
           <p:nvPr>
             <p:ph idx="1" type="body"/>
@@ -1295,7 +1295,7 @@
   <p:cSld>
     <p:spTree>
       <p:nvGrpSpPr>
-        <p:cNvPr id="100" name="Shape 100"/>
+        <p:cNvPr id="101" name="Shape 101"/>
         <p:cNvGrpSpPr/>
         <p:nvPr/>
       </p:nvGrpSpPr>
@@ -1309,7 +1309,7 @@
       </p:grpSpPr>
       <p:sp>
         <p:nvSpPr>
-          <p:cNvPr id="101" name="Google Shape;101;g269324cc4ea_0_123:notes"/>
+          <p:cNvPr id="102" name="Google Shape;102;g269324cc4ea_0_123:notes"/>
           <p:cNvSpPr/>
           <p:nvPr>
             <p:ph idx="2" type="sldImg"/>
@@ -1344,7 +1344,7 @@
       </p:sp>
       <p:sp>
         <p:nvSpPr>
-          <p:cNvPr id="102" name="Google Shape;102;g269324cc4ea_0_123:notes"/>
+          <p:cNvPr id="103" name="Google Shape;103;g269324cc4ea_0_123:notes"/>
           <p:cNvSpPr txBox="1"/>
           <p:nvPr>
             <p:ph idx="1" type="body"/>
@@ -1394,7 +1394,7 @@
   <p:cSld>
     <p:spTree>
       <p:nvGrpSpPr>
-        <p:cNvPr id="122" name="Shape 122"/>
+        <p:cNvPr id="123" name="Shape 123"/>
         <p:cNvGrpSpPr/>
         <p:nvPr/>
       </p:nvGrpSpPr>
@@ -1408,7 +1408,7 @@
       </p:grpSpPr>
       <p:sp>
         <p:nvSpPr>
-          <p:cNvPr id="123" name="Google Shape;123;g2b96390a656_0_17:notes"/>
+          <p:cNvPr id="124" name="Google Shape;124;g2b96390a656_0_17:notes"/>
           <p:cNvSpPr/>
           <p:nvPr>
             <p:ph idx="2" type="sldImg"/>
@@ -1443,7 +1443,7 @@
       </p:sp>
       <p:sp>
         <p:nvSpPr>
-          <p:cNvPr id="124" name="Google Shape;124;g2b96390a656_0_17:notes"/>
+          <p:cNvPr id="125" name="Google Shape;125;g2b96390a656_0_17:notes"/>
           <p:cNvSpPr txBox="1"/>
           <p:nvPr>
             <p:ph idx="1" type="body"/>
@@ -1493,7 +1493,7 @@
   <p:cSld>
     <p:spTree>
       <p:nvGrpSpPr>
-        <p:cNvPr id="187" name="Shape 187"/>
+        <p:cNvPr id="188" name="Shape 188"/>
         <p:cNvGrpSpPr/>
         <p:nvPr/>
       </p:nvGrpSpPr>
@@ -1507,7 +1507,7 @@
       </p:grpSpPr>
       <p:sp>
         <p:nvSpPr>
-          <p:cNvPr id="188" name="Google Shape;188;g269324cc4ea_0_129:notes"/>
+          <p:cNvPr id="189" name="Google Shape;189;g269324cc4ea_0_129:notes"/>
           <p:cNvSpPr/>
           <p:nvPr>
             <p:ph idx="2" type="sldImg"/>
@@ -1542,7 +1542,7 @@
       </p:sp>
       <p:sp>
         <p:nvSpPr>
-          <p:cNvPr id="189" name="Google Shape;189;g269324cc4ea_0_129:notes"/>
+          <p:cNvPr id="190" name="Google Shape;190;g269324cc4ea_0_129:notes"/>
           <p:cNvSpPr txBox="1"/>
           <p:nvPr>
             <p:ph idx="1" type="body"/>
@@ -7062,7 +7062,7 @@
         <p:spPr>
           <a:xfrm>
             <a:off x="311700" y="712925"/>
-            <a:ext cx="8520600" cy="3669600"/>
+            <a:ext cx="7515900" cy="3669600"/>
           </a:xfrm>
           <a:prstGeom prst="rect">
             <a:avLst/>
@@ -7216,6 +7216,34 @@
           </a:p>
         </p:txBody>
       </p:sp>
+      <p:pic>
+        <p:nvPicPr>
+          <p:cNvPr id="77" name="Google Shape;77;p16"/>
+          <p:cNvPicPr preferRelativeResize="0"/>
+          <p:nvPr/>
+        </p:nvPicPr>
+        <p:blipFill>
+          <a:blip r:embed="rId3">
+            <a:alphaModFix/>
+          </a:blip>
+          <a:stretch>
+            <a:fillRect/>
+          </a:stretch>
+        </p:blipFill>
+        <p:spPr>
+          <a:xfrm>
+            <a:off x="7734625" y="208042"/>
+            <a:ext cx="1173500" cy="1554175"/>
+          </a:xfrm>
+          <a:prstGeom prst="rect">
+            <a:avLst/>
+          </a:prstGeom>
+          <a:noFill/>
+          <a:ln>
+            <a:noFill/>
+          </a:ln>
+        </p:spPr>
+      </p:pic>
     </p:spTree>
   </p:cSld>
   <p:clrMapOvr>
@@ -7651,7 +7679,7 @@
   <p:cSld>
     <p:spTree>
       <p:nvGrpSpPr>
-        <p:cNvPr id="80" name="Shape 80"/>
+        <p:cNvPr id="81" name="Shape 81"/>
         <p:cNvGrpSpPr/>
         <p:nvPr/>
       </p:nvGrpSpPr>
@@ -7665,7 +7693,7 @@
       </p:grpSpPr>
       <p:sp>
         <p:nvSpPr>
-          <p:cNvPr id="81" name="Google Shape;81;p17"/>
+          <p:cNvPr id="82" name="Google Shape;82;p17"/>
           <p:cNvSpPr txBox="1"/>
           <p:nvPr>
             <p:ph type="title"/>
@@ -7705,7 +7733,7 @@
       </p:sp>
       <p:pic>
         <p:nvPicPr>
-          <p:cNvPr id="82" name="Google Shape;82;p17"/>
+          <p:cNvPr id="83" name="Google Shape;83;p17"/>
           <p:cNvPicPr preferRelativeResize="0"/>
           <p:nvPr/>
         </p:nvPicPr>
@@ -7733,7 +7761,7 @@
       </p:pic>
       <p:sp>
         <p:nvSpPr>
-          <p:cNvPr id="83" name="Google Shape;83;p17"/>
+          <p:cNvPr id="84" name="Google Shape;84;p17"/>
           <p:cNvSpPr txBox="1"/>
           <p:nvPr/>
         </p:nvSpPr>
@@ -7775,7 +7803,7 @@
       </p:sp>
       <p:sp>
         <p:nvSpPr>
-          <p:cNvPr id="84" name="Google Shape;84;p17"/>
+          <p:cNvPr id="85" name="Google Shape;85;p17"/>
           <p:cNvSpPr txBox="1"/>
           <p:nvPr/>
         </p:nvSpPr>
@@ -7817,7 +7845,7 @@
       </p:sp>
       <p:sp>
         <p:nvSpPr>
-          <p:cNvPr id="85" name="Google Shape;85;p17"/>
+          <p:cNvPr id="86" name="Google Shape;86;p17"/>
           <p:cNvSpPr txBox="1"/>
           <p:nvPr/>
         </p:nvSpPr>
@@ -7859,7 +7887,7 @@
       </p:sp>
       <p:sp>
         <p:nvSpPr>
-          <p:cNvPr id="86" name="Google Shape;86;p17"/>
+          <p:cNvPr id="87" name="Google Shape;87;p17"/>
           <p:cNvSpPr txBox="1"/>
           <p:nvPr/>
         </p:nvSpPr>
@@ -7901,7 +7929,7 @@
       </p:sp>
       <p:sp>
         <p:nvSpPr>
-          <p:cNvPr id="87" name="Google Shape;87;p17"/>
+          <p:cNvPr id="88" name="Google Shape;88;p17"/>
           <p:cNvSpPr txBox="1"/>
           <p:nvPr/>
         </p:nvSpPr>
@@ -7943,7 +7971,7 @@
       </p:sp>
       <p:sp>
         <p:nvSpPr>
-          <p:cNvPr id="88" name="Google Shape;88;p17"/>
+          <p:cNvPr id="89" name="Google Shape;89;p17"/>
           <p:cNvSpPr txBox="1"/>
           <p:nvPr/>
         </p:nvSpPr>
@@ -7996,7 +8024,7 @@
   <p:cSld>
     <p:spTree>
       <p:nvGrpSpPr>
-        <p:cNvPr id="92" name="Shape 92"/>
+        <p:cNvPr id="93" name="Shape 93"/>
         <p:cNvGrpSpPr/>
         <p:nvPr/>
       </p:nvGrpSpPr>
@@ -8010,7 +8038,7 @@
       </p:grpSpPr>
       <p:sp>
         <p:nvSpPr>
-          <p:cNvPr id="93" name="Google Shape;93;p18"/>
+          <p:cNvPr id="94" name="Google Shape;94;p18"/>
           <p:cNvSpPr txBox="1"/>
           <p:nvPr>
             <p:ph type="title"/>
@@ -8050,7 +8078,7 @@
       </p:sp>
       <p:sp>
         <p:nvSpPr>
-          <p:cNvPr id="94" name="Google Shape;94;p18"/>
+          <p:cNvPr id="95" name="Google Shape;95;p18"/>
           <p:cNvSpPr txBox="1"/>
           <p:nvPr/>
         </p:nvSpPr>
@@ -8361,7 +8389,7 @@
       </p:sp>
       <p:sp>
         <p:nvSpPr>
-          <p:cNvPr id="95" name="Google Shape;95;p18"/>
+          <p:cNvPr id="96" name="Google Shape;96;p18"/>
           <p:cNvSpPr txBox="1"/>
           <p:nvPr/>
         </p:nvSpPr>
@@ -8604,7 +8632,7 @@
       </p:sp>
       <p:sp>
         <p:nvSpPr>
-          <p:cNvPr id="96" name="Google Shape;96;p18"/>
+          <p:cNvPr id="97" name="Google Shape;97;p18"/>
           <p:cNvSpPr txBox="1"/>
           <p:nvPr/>
         </p:nvSpPr>
@@ -8654,7 +8682,7 @@
       </p:sp>
       <p:sp>
         <p:nvSpPr>
-          <p:cNvPr id="97" name="Google Shape;97;p18"/>
+          <p:cNvPr id="98" name="Google Shape;98;p18"/>
           <p:cNvSpPr txBox="1"/>
           <p:nvPr/>
         </p:nvSpPr>
@@ -8712,9 +8740,9 @@
       </p:sp>
       <p:cxnSp>
         <p:nvCxnSpPr>
-          <p:cNvPr id="98" name="Google Shape;98;p18"/>
+          <p:cNvPr id="99" name="Google Shape;99;p18"/>
           <p:cNvCxnSpPr>
-            <a:stCxn id="96" idx="0"/>
+            <a:stCxn id="97" idx="0"/>
           </p:cNvCxnSpPr>
           <p:nvPr/>
         </p:nvCxnSpPr>
@@ -8740,7 +8768,7 @@
       </p:cxnSp>
       <p:cxnSp>
         <p:nvCxnSpPr>
-          <p:cNvPr id="99" name="Google Shape;99;p18"/>
+          <p:cNvPr id="100" name="Google Shape;100;p18"/>
           <p:cNvCxnSpPr/>
           <p:nvPr/>
         </p:nvCxnSpPr>
@@ -8803,7 +8831,7 @@
                                           </p:stCondLst>
                                         </p:cTn>
                                         <p:tgtEl>
-                                          <p:spTgt spid="94"/>
+                                          <p:spTgt spid="95"/>
                                         </p:tgtEl>
                                         <p:attrNameLst>
                                           <p:attrName>style.visibility</p:attrName>
@@ -8836,6 +8864,105 @@
                             <p:childTnLst>
                               <p:par>
                                 <p:cTn fill="hold" nodeType="clickEffect" presetClass="entr" presetID="1" presetSubtype="0">
+                                  <p:stCondLst>
+                                    <p:cond delay="0"/>
+                                  </p:stCondLst>
+                                  <p:childTnLst>
+                                    <p:set>
+                                      <p:cBhvr>
+                                        <p:cTn dur="1" fill="hold">
+                                          <p:stCondLst>
+                                            <p:cond delay="0"/>
+                                          </p:stCondLst>
+                                        </p:cTn>
+                                        <p:tgtEl>
+                                          <p:spTgt spid="100"/>
+                                        </p:tgtEl>
+                                        <p:attrNameLst>
+                                          <p:attrName>style.visibility</p:attrName>
+                                        </p:attrNameLst>
+                                      </p:cBhvr>
+                                      <p:to>
+                                        <p:strVal val="visible"/>
+                                      </p:to>
+                                    </p:set>
+                                  </p:childTnLst>
+                                </p:cTn>
+                              </p:par>
+                              <p:par>
+                                <p:cTn fill="hold" nodeType="withEffect" presetClass="entr" presetID="1" presetSubtype="0">
+                                  <p:stCondLst>
+                                    <p:cond delay="0"/>
+                                  </p:stCondLst>
+                                  <p:childTnLst>
+                                    <p:set>
+                                      <p:cBhvr>
+                                        <p:cTn dur="1" fill="hold">
+                                          <p:stCondLst>
+                                            <p:cond delay="0"/>
+                                          </p:stCondLst>
+                                        </p:cTn>
+                                        <p:tgtEl>
+                                          <p:spTgt spid="98"/>
+                                        </p:tgtEl>
+                                        <p:attrNameLst>
+                                          <p:attrName>style.visibility</p:attrName>
+                                        </p:attrNameLst>
+                                      </p:cBhvr>
+                                      <p:to>
+                                        <p:strVal val="visible"/>
+                                      </p:to>
+                                    </p:set>
+                                  </p:childTnLst>
+                                </p:cTn>
+                              </p:par>
+                            </p:childTnLst>
+                          </p:cTn>
+                        </p:par>
+                      </p:childTnLst>
+                    </p:cTn>
+                  </p:par>
+                  <p:par>
+                    <p:cTn fill="hold">
+                      <p:stCondLst>
+                        <p:cond delay="indefinite"/>
+                      </p:stCondLst>
+                      <p:childTnLst>
+                        <p:par>
+                          <p:cTn fill="hold">
+                            <p:stCondLst>
+                              <p:cond delay="0"/>
+                            </p:stCondLst>
+                            <p:childTnLst>
+                              <p:par>
+                                <p:cTn fill="hold" nodeType="clickEffect" presetClass="entr" presetID="1" presetSubtype="0">
+                                  <p:stCondLst>
+                                    <p:cond delay="0"/>
+                                  </p:stCondLst>
+                                  <p:childTnLst>
+                                    <p:set>
+                                      <p:cBhvr>
+                                        <p:cTn dur="1" fill="hold">
+                                          <p:stCondLst>
+                                            <p:cond delay="0"/>
+                                          </p:stCondLst>
+                                        </p:cTn>
+                                        <p:tgtEl>
+                                          <p:spTgt spid="96"/>
+                                        </p:tgtEl>
+                                        <p:attrNameLst>
+                                          <p:attrName>style.visibility</p:attrName>
+                                        </p:attrNameLst>
+                                      </p:cBhvr>
+                                      <p:to>
+                                        <p:strVal val="visible"/>
+                                      </p:to>
+                                    </p:set>
+                                  </p:childTnLst>
+                                </p:cTn>
+                              </p:par>
+                              <p:par>
+                                <p:cTn fill="hold" nodeType="withEffect" presetClass="entr" presetID="1" presetSubtype="0">
                                   <p:stCondLst>
                                     <p:cond delay="0"/>
                                   </p:stCondLst>
@@ -8894,105 +9021,6 @@
                       </p:childTnLst>
                     </p:cTn>
                   </p:par>
-                  <p:par>
-                    <p:cTn fill="hold">
-                      <p:stCondLst>
-                        <p:cond delay="indefinite"/>
-                      </p:stCondLst>
-                      <p:childTnLst>
-                        <p:par>
-                          <p:cTn fill="hold">
-                            <p:stCondLst>
-                              <p:cond delay="0"/>
-                            </p:stCondLst>
-                            <p:childTnLst>
-                              <p:par>
-                                <p:cTn fill="hold" nodeType="clickEffect" presetClass="entr" presetID="1" presetSubtype="0">
-                                  <p:stCondLst>
-                                    <p:cond delay="0"/>
-                                  </p:stCondLst>
-                                  <p:childTnLst>
-                                    <p:set>
-                                      <p:cBhvr>
-                                        <p:cTn dur="1" fill="hold">
-                                          <p:stCondLst>
-                                            <p:cond delay="0"/>
-                                          </p:stCondLst>
-                                        </p:cTn>
-                                        <p:tgtEl>
-                                          <p:spTgt spid="95"/>
-                                        </p:tgtEl>
-                                        <p:attrNameLst>
-                                          <p:attrName>style.visibility</p:attrName>
-                                        </p:attrNameLst>
-                                      </p:cBhvr>
-                                      <p:to>
-                                        <p:strVal val="visible"/>
-                                      </p:to>
-                                    </p:set>
-                                  </p:childTnLst>
-                                </p:cTn>
-                              </p:par>
-                              <p:par>
-                                <p:cTn fill="hold" nodeType="withEffect" presetClass="entr" presetID="1" presetSubtype="0">
-                                  <p:stCondLst>
-                                    <p:cond delay="0"/>
-                                  </p:stCondLst>
-                                  <p:childTnLst>
-                                    <p:set>
-                                      <p:cBhvr>
-                                        <p:cTn dur="1" fill="hold">
-                                          <p:stCondLst>
-                                            <p:cond delay="0"/>
-                                          </p:stCondLst>
-                                        </p:cTn>
-                                        <p:tgtEl>
-                                          <p:spTgt spid="98"/>
-                                        </p:tgtEl>
-                                        <p:attrNameLst>
-                                          <p:attrName>style.visibility</p:attrName>
-                                        </p:attrNameLst>
-                                      </p:cBhvr>
-                                      <p:to>
-                                        <p:strVal val="visible"/>
-                                      </p:to>
-                                    </p:set>
-                                  </p:childTnLst>
-                                </p:cTn>
-                              </p:par>
-                              <p:par>
-                                <p:cTn fill="hold" nodeType="withEffect" presetClass="entr" presetID="1" presetSubtype="0">
-                                  <p:stCondLst>
-                                    <p:cond delay="0"/>
-                                  </p:stCondLst>
-                                  <p:childTnLst>
-                                    <p:set>
-                                      <p:cBhvr>
-                                        <p:cTn dur="1" fill="hold">
-                                          <p:stCondLst>
-                                            <p:cond delay="0"/>
-                                          </p:stCondLst>
-                                        </p:cTn>
-                                        <p:tgtEl>
-                                          <p:spTgt spid="96"/>
-                                        </p:tgtEl>
-                                        <p:attrNameLst>
-                                          <p:attrName>style.visibility</p:attrName>
-                                        </p:attrNameLst>
-                                      </p:cBhvr>
-                                      <p:to>
-                                        <p:strVal val="visible"/>
-                                      </p:to>
-                                    </p:set>
-                                  </p:childTnLst>
-                                </p:cTn>
-                              </p:par>
-                            </p:childTnLst>
-                          </p:cTn>
-                        </p:par>
-                      </p:childTnLst>
-                    </p:cTn>
-                  </p:par>
                 </p:childTnLst>
               </p:cTn>
               <p:prevCondLst>
@@ -9023,7 +9051,7 @@
   <p:cSld>
     <p:spTree>
       <p:nvGrpSpPr>
-        <p:cNvPr id="103" name="Shape 103"/>
+        <p:cNvPr id="104" name="Shape 104"/>
         <p:cNvGrpSpPr/>
         <p:nvPr/>
       </p:nvGrpSpPr>
@@ -9037,7 +9065,7 @@
       </p:grpSpPr>
       <p:sp>
         <p:nvSpPr>
-          <p:cNvPr id="104" name="Google Shape;104;p19"/>
+          <p:cNvPr id="105" name="Google Shape;105;p19"/>
           <p:cNvSpPr txBox="1"/>
           <p:nvPr>
             <p:ph type="title"/>
@@ -9077,7 +9105,7 @@
       </p:sp>
       <p:graphicFrame>
         <p:nvGraphicFramePr>
-          <p:cNvPr id="105" name="Google Shape;105;p19"/>
+          <p:cNvPr id="106" name="Google Shape;106;p19"/>
           <p:cNvGraphicFramePr/>
           <p:nvPr/>
         </p:nvGraphicFramePr>
@@ -9090,7 +9118,7 @@
             <a:tbl>
               <a:tblPr>
                 <a:noFill/>
-                <a:tableStyleId>{0966AED9-1EB3-4036-8909-33B5CB9F0D16}</a:tableStyleId>
+                <a:tableStyleId>{AFCB7FE4-11F1-468A-A0AD-B5FBDF33E894}</a:tableStyleId>
               </a:tblPr>
               <a:tblGrid>
                 <a:gridCol w="1463375"/>
@@ -9755,7 +9783,7 @@
       </p:graphicFrame>
       <p:sp>
         <p:nvSpPr>
-          <p:cNvPr id="106" name="Google Shape;106;p19"/>
+          <p:cNvPr id="107" name="Google Shape;107;p19"/>
           <p:cNvSpPr txBox="1"/>
           <p:nvPr/>
         </p:nvSpPr>
@@ -9827,7 +9855,7 @@
       </p:sp>
       <p:sp>
         <p:nvSpPr>
-          <p:cNvPr id="107" name="Google Shape;107;p19"/>
+          <p:cNvPr id="108" name="Google Shape;108;p19"/>
           <p:cNvSpPr txBox="1"/>
           <p:nvPr/>
         </p:nvSpPr>
@@ -9874,7 +9902,7 @@
       </p:sp>
       <p:sp>
         <p:nvSpPr>
-          <p:cNvPr id="108" name="Google Shape;108;p19"/>
+          <p:cNvPr id="109" name="Google Shape;109;p19"/>
           <p:cNvSpPr txBox="1"/>
           <p:nvPr/>
         </p:nvSpPr>
@@ -9921,7 +9949,7 @@
       </p:sp>
       <p:sp>
         <p:nvSpPr>
-          <p:cNvPr id="109" name="Google Shape;109;p19"/>
+          <p:cNvPr id="110" name="Google Shape;110;p19"/>
           <p:cNvSpPr txBox="1"/>
           <p:nvPr/>
         </p:nvSpPr>
@@ -9968,7 +9996,7 @@
       </p:sp>
       <p:sp>
         <p:nvSpPr>
-          <p:cNvPr id="110" name="Google Shape;110;p19"/>
+          <p:cNvPr id="111" name="Google Shape;111;p19"/>
           <p:cNvSpPr txBox="1"/>
           <p:nvPr/>
         </p:nvSpPr>
@@ -10015,7 +10043,7 @@
       </p:sp>
       <p:sp>
         <p:nvSpPr>
-          <p:cNvPr id="111" name="Google Shape;111;p19"/>
+          <p:cNvPr id="112" name="Google Shape;112;p19"/>
           <p:cNvSpPr txBox="1"/>
           <p:nvPr/>
         </p:nvSpPr>
@@ -10062,7 +10090,7 @@
       </p:sp>
       <p:sp>
         <p:nvSpPr>
-          <p:cNvPr id="112" name="Google Shape;112;p19"/>
+          <p:cNvPr id="113" name="Google Shape;113;p19"/>
           <p:cNvSpPr txBox="1"/>
           <p:nvPr/>
         </p:nvSpPr>
@@ -10109,7 +10137,7 @@
       </p:sp>
       <p:sp>
         <p:nvSpPr>
-          <p:cNvPr id="113" name="Google Shape;113;p19"/>
+          <p:cNvPr id="114" name="Google Shape;114;p19"/>
           <p:cNvSpPr txBox="1"/>
           <p:nvPr/>
         </p:nvSpPr>
@@ -10156,7 +10184,7 @@
       </p:sp>
       <p:sp>
         <p:nvSpPr>
-          <p:cNvPr id="114" name="Google Shape;114;p19"/>
+          <p:cNvPr id="115" name="Google Shape;115;p19"/>
           <p:cNvSpPr txBox="1"/>
           <p:nvPr/>
         </p:nvSpPr>
@@ -10203,7 +10231,7 @@
       </p:sp>
       <p:sp>
         <p:nvSpPr>
-          <p:cNvPr id="115" name="Google Shape;115;p19"/>
+          <p:cNvPr id="116" name="Google Shape;116;p19"/>
           <p:cNvSpPr txBox="1"/>
           <p:nvPr/>
         </p:nvSpPr>
@@ -10250,7 +10278,7 @@
       </p:sp>
       <p:sp>
         <p:nvSpPr>
-          <p:cNvPr id="116" name="Google Shape;116;p19"/>
+          <p:cNvPr id="117" name="Google Shape;117;p19"/>
           <p:cNvSpPr txBox="1"/>
           <p:nvPr/>
         </p:nvSpPr>
@@ -10297,7 +10325,7 @@
       </p:sp>
       <p:sp>
         <p:nvSpPr>
-          <p:cNvPr id="117" name="Google Shape;117;p19"/>
+          <p:cNvPr id="118" name="Google Shape;118;p19"/>
           <p:cNvSpPr txBox="1"/>
           <p:nvPr/>
         </p:nvSpPr>
@@ -10344,7 +10372,7 @@
       </p:sp>
       <p:sp>
         <p:nvSpPr>
-          <p:cNvPr id="118" name="Google Shape;118;p19"/>
+          <p:cNvPr id="119" name="Google Shape;119;p19"/>
           <p:cNvSpPr txBox="1"/>
           <p:nvPr/>
         </p:nvSpPr>
@@ -10391,7 +10419,7 @@
       </p:sp>
       <p:sp>
         <p:nvSpPr>
-          <p:cNvPr id="119" name="Google Shape;119;p19"/>
+          <p:cNvPr id="120" name="Google Shape;120;p19"/>
           <p:cNvSpPr txBox="1"/>
           <p:nvPr/>
         </p:nvSpPr>
@@ -10438,7 +10466,7 @@
       </p:sp>
       <p:sp>
         <p:nvSpPr>
-          <p:cNvPr id="120" name="Google Shape;120;p19"/>
+          <p:cNvPr id="121" name="Google Shape;121;p19"/>
           <p:cNvSpPr txBox="1"/>
           <p:nvPr/>
         </p:nvSpPr>
@@ -10485,7 +10513,7 @@
       </p:sp>
       <p:sp>
         <p:nvSpPr>
-          <p:cNvPr id="121" name="Google Shape;121;p19"/>
+          <p:cNvPr id="122" name="Google Shape;122;p19"/>
           <p:cNvSpPr txBox="1"/>
           <p:nvPr/>
         </p:nvSpPr>
@@ -10543,51 +10571,6 @@
             <p:seq concurrent="1" nextAc="seek">
               <p:cTn dur="indefinite" id="2" nodeType="mainSeq">
                 <p:childTnLst>
-                  <p:par>
-                    <p:cTn fill="hold">
-                      <p:stCondLst>
-                        <p:cond delay="indefinite"/>
-                      </p:stCondLst>
-                      <p:childTnLst>
-                        <p:par>
-                          <p:cTn fill="hold">
-                            <p:stCondLst>
-                              <p:cond delay="0"/>
-                            </p:stCondLst>
-                            <p:childTnLst>
-                              <p:par>
-                                <p:cTn fill="hold" nodeType="clickEffect" presetClass="exit" presetID="1" presetSubtype="0">
-                                  <p:stCondLst>
-                                    <p:cond delay="0"/>
-                                  </p:stCondLst>
-                                  <p:childTnLst>
-                                    <p:set>
-                                      <p:cBhvr>
-                                        <p:cTn dur="1" fill="hold">
-                                          <p:stCondLst>
-                                            <p:cond delay="0"/>
-                                          </p:stCondLst>
-                                        </p:cTn>
-                                        <p:tgtEl>
-                                          <p:spTgt spid="107"/>
-                                        </p:tgtEl>
-                                        <p:attrNameLst>
-                                          <p:attrName>style.visibility</p:attrName>
-                                        </p:attrNameLst>
-                                      </p:cBhvr>
-                                      <p:to>
-                                        <p:strVal val="hidden"/>
-                                      </p:to>
-                                    </p:set>
-                                  </p:childTnLst>
-                                </p:cTn>
-                              </p:par>
-                            </p:childTnLst>
-                          </p:cTn>
-                        </p:par>
-                      </p:childTnLst>
-                    </p:cTn>
-                  </p:par>
                   <p:par>
                     <p:cTn fill="hold">
                       <p:stCondLst>
@@ -11231,6 +11214,51 @@
                             </p:stCondLst>
                             <p:childTnLst>
                               <p:par>
+                                <p:cTn fill="hold" nodeType="clickEffect" presetClass="exit" presetID="1" presetSubtype="0">
+                                  <p:stCondLst>
+                                    <p:cond delay="0"/>
+                                  </p:stCondLst>
+                                  <p:childTnLst>
+                                    <p:set>
+                                      <p:cBhvr>
+                                        <p:cTn dur="1" fill="hold">
+                                          <p:stCondLst>
+                                            <p:cond delay="0"/>
+                                          </p:stCondLst>
+                                        </p:cTn>
+                                        <p:tgtEl>
+                                          <p:spTgt spid="122"/>
+                                        </p:tgtEl>
+                                        <p:attrNameLst>
+                                          <p:attrName>style.visibility</p:attrName>
+                                        </p:attrNameLst>
+                                      </p:cBhvr>
+                                      <p:to>
+                                        <p:strVal val="hidden"/>
+                                      </p:to>
+                                    </p:set>
+                                  </p:childTnLst>
+                                </p:cTn>
+                              </p:par>
+                            </p:childTnLst>
+                          </p:cTn>
+                        </p:par>
+                      </p:childTnLst>
+                    </p:cTn>
+                  </p:par>
+                  <p:par>
+                    <p:cTn fill="hold">
+                      <p:stCondLst>
+                        <p:cond delay="indefinite"/>
+                      </p:stCondLst>
+                      <p:childTnLst>
+                        <p:par>
+                          <p:cTn fill="hold">
+                            <p:stCondLst>
+                              <p:cond delay="0"/>
+                            </p:stCondLst>
+                            <p:childTnLst>
+                              <p:par>
                                 <p:cTn fill="hold" nodeType="clickEffect" presetClass="entr" presetID="1" presetSubtype="0">
                                   <p:stCondLst>
                                     <p:cond delay="0"/>
@@ -11244,7 +11272,7 @@
                                           </p:stCondLst>
                                         </p:cTn>
                                         <p:tgtEl>
-                                          <p:spTgt spid="106"/>
+                                          <p:spTgt spid="107"/>
                                         </p:tgtEl>
                                         <p:attrNameLst>
                                           <p:attrName>style.visibility</p:attrName>
@@ -11293,7 +11321,7 @@
   <p:cSld>
     <p:spTree>
       <p:nvGrpSpPr>
-        <p:cNvPr id="125" name="Shape 125"/>
+        <p:cNvPr id="126" name="Shape 126"/>
         <p:cNvGrpSpPr/>
         <p:nvPr/>
       </p:nvGrpSpPr>
@@ -11307,7 +11335,7 @@
       </p:grpSpPr>
       <p:sp>
         <p:nvSpPr>
-          <p:cNvPr id="126" name="Google Shape;126;p20"/>
+          <p:cNvPr id="127" name="Google Shape;127;p20"/>
           <p:cNvSpPr txBox="1"/>
           <p:nvPr>
             <p:ph type="title"/>
@@ -11347,7 +11375,7 @@
       </p:sp>
       <p:grpSp>
         <p:nvGrpSpPr>
-          <p:cNvPr id="127" name="Google Shape;127;p20"/>
+          <p:cNvPr id="128" name="Google Shape;128;p20"/>
           <p:cNvGrpSpPr/>
           <p:nvPr/>
         </p:nvGrpSpPr>
@@ -11361,7 +11389,7 @@
         </p:grpSpPr>
         <p:sp>
           <p:nvSpPr>
-            <p:cNvPr id="128" name="Google Shape;128;p20"/>
+            <p:cNvPr id="129" name="Google Shape;129;p20"/>
             <p:cNvSpPr/>
             <p:nvPr/>
           </p:nvSpPr>
@@ -11410,7 +11438,7 @@
         </p:sp>
         <p:sp>
           <p:nvSpPr>
-            <p:cNvPr id="129" name="Google Shape;129;p20"/>
+            <p:cNvPr id="130" name="Google Shape;130;p20"/>
             <p:cNvSpPr txBox="1"/>
             <p:nvPr/>
           </p:nvSpPr>
@@ -11461,7 +11489,7 @@
       </p:grpSp>
       <p:grpSp>
         <p:nvGrpSpPr>
-          <p:cNvPr id="130" name="Google Shape;130;p20"/>
+          <p:cNvPr id="131" name="Google Shape;131;p20"/>
           <p:cNvGrpSpPr/>
           <p:nvPr/>
         </p:nvGrpSpPr>
@@ -11475,7 +11503,7 @@
         </p:grpSpPr>
         <p:sp>
           <p:nvSpPr>
-            <p:cNvPr id="131" name="Google Shape;131;p20"/>
+            <p:cNvPr id="132" name="Google Shape;132;p20"/>
             <p:cNvSpPr/>
             <p:nvPr/>
           </p:nvSpPr>
@@ -11524,7 +11552,7 @@
         </p:sp>
         <p:sp>
           <p:nvSpPr>
-            <p:cNvPr id="132" name="Google Shape;132;p20"/>
+            <p:cNvPr id="133" name="Google Shape;133;p20"/>
             <p:cNvSpPr txBox="1"/>
             <p:nvPr/>
           </p:nvSpPr>
@@ -11575,7 +11603,7 @@
       </p:grpSp>
       <p:grpSp>
         <p:nvGrpSpPr>
-          <p:cNvPr id="133" name="Google Shape;133;p20"/>
+          <p:cNvPr id="134" name="Google Shape;134;p20"/>
           <p:cNvGrpSpPr/>
           <p:nvPr/>
         </p:nvGrpSpPr>
@@ -11589,7 +11617,7 @@
         </p:grpSpPr>
         <p:sp>
           <p:nvSpPr>
-            <p:cNvPr id="134" name="Google Shape;134;p20"/>
+            <p:cNvPr id="135" name="Google Shape;135;p20"/>
             <p:cNvSpPr/>
             <p:nvPr/>
           </p:nvSpPr>
@@ -11638,7 +11666,7 @@
         </p:sp>
         <p:sp>
           <p:nvSpPr>
-            <p:cNvPr id="135" name="Google Shape;135;p20"/>
+            <p:cNvPr id="136" name="Google Shape;136;p20"/>
             <p:cNvSpPr txBox="1"/>
             <p:nvPr/>
           </p:nvSpPr>
@@ -11689,7 +11717,7 @@
       </p:grpSp>
       <p:grpSp>
         <p:nvGrpSpPr>
-          <p:cNvPr id="136" name="Google Shape;136;p20"/>
+          <p:cNvPr id="137" name="Google Shape;137;p20"/>
           <p:cNvGrpSpPr/>
           <p:nvPr/>
         </p:nvGrpSpPr>
@@ -11703,7 +11731,7 @@
         </p:grpSpPr>
         <p:sp>
           <p:nvSpPr>
-            <p:cNvPr id="137" name="Google Shape;137;p20"/>
+            <p:cNvPr id="138" name="Google Shape;138;p20"/>
             <p:cNvSpPr/>
             <p:nvPr/>
           </p:nvSpPr>
@@ -11752,7 +11780,7 @@
         </p:sp>
         <p:sp>
           <p:nvSpPr>
-            <p:cNvPr id="138" name="Google Shape;138;p20"/>
+            <p:cNvPr id="139" name="Google Shape;139;p20"/>
             <p:cNvSpPr txBox="1"/>
             <p:nvPr/>
           </p:nvSpPr>
@@ -11803,7 +11831,7 @@
       </p:grpSp>
       <p:grpSp>
         <p:nvGrpSpPr>
-          <p:cNvPr id="139" name="Google Shape;139;p20"/>
+          <p:cNvPr id="140" name="Google Shape;140;p20"/>
           <p:cNvGrpSpPr/>
           <p:nvPr/>
         </p:nvGrpSpPr>
@@ -11817,7 +11845,7 @@
         </p:grpSpPr>
         <p:sp>
           <p:nvSpPr>
-            <p:cNvPr id="140" name="Google Shape;140;p20"/>
+            <p:cNvPr id="141" name="Google Shape;141;p20"/>
             <p:cNvSpPr/>
             <p:nvPr/>
           </p:nvSpPr>
@@ -11866,7 +11894,7 @@
         </p:sp>
         <p:sp>
           <p:nvSpPr>
-            <p:cNvPr id="141" name="Google Shape;141;p20"/>
+            <p:cNvPr id="142" name="Google Shape;142;p20"/>
             <p:cNvSpPr txBox="1"/>
             <p:nvPr/>
           </p:nvSpPr>
@@ -11917,7 +11945,7 @@
       </p:grpSp>
       <p:grpSp>
         <p:nvGrpSpPr>
-          <p:cNvPr id="142" name="Google Shape;142;p20"/>
+          <p:cNvPr id="143" name="Google Shape;143;p20"/>
           <p:cNvGrpSpPr/>
           <p:nvPr/>
         </p:nvGrpSpPr>
@@ -11931,7 +11959,7 @@
         </p:grpSpPr>
         <p:sp>
           <p:nvSpPr>
-            <p:cNvPr id="143" name="Google Shape;143;p20"/>
+            <p:cNvPr id="144" name="Google Shape;144;p20"/>
             <p:cNvSpPr/>
             <p:nvPr/>
           </p:nvSpPr>
@@ -11980,7 +12008,7 @@
         </p:sp>
         <p:sp>
           <p:nvSpPr>
-            <p:cNvPr id="144" name="Google Shape;144;p20"/>
+            <p:cNvPr id="145" name="Google Shape;145;p20"/>
             <p:cNvSpPr txBox="1"/>
             <p:nvPr/>
           </p:nvSpPr>
@@ -12031,7 +12059,7 @@
       </p:grpSp>
       <p:grpSp>
         <p:nvGrpSpPr>
-          <p:cNvPr id="145" name="Google Shape;145;p20"/>
+          <p:cNvPr id="146" name="Google Shape;146;p20"/>
           <p:cNvGrpSpPr/>
           <p:nvPr/>
         </p:nvGrpSpPr>
@@ -12045,7 +12073,7 @@
         </p:grpSpPr>
         <p:sp>
           <p:nvSpPr>
-            <p:cNvPr id="146" name="Google Shape;146;p20"/>
+            <p:cNvPr id="147" name="Google Shape;147;p20"/>
             <p:cNvSpPr/>
             <p:nvPr/>
           </p:nvSpPr>
@@ -12094,7 +12122,7 @@
         </p:sp>
         <p:sp>
           <p:nvSpPr>
-            <p:cNvPr id="147" name="Google Shape;147;p20"/>
+            <p:cNvPr id="148" name="Google Shape;148;p20"/>
             <p:cNvSpPr txBox="1"/>
             <p:nvPr/>
           </p:nvSpPr>
@@ -12145,7 +12173,7 @@
       </p:grpSp>
       <p:grpSp>
         <p:nvGrpSpPr>
-          <p:cNvPr id="148" name="Google Shape;148;p20"/>
+          <p:cNvPr id="149" name="Google Shape;149;p20"/>
           <p:cNvGrpSpPr/>
           <p:nvPr/>
         </p:nvGrpSpPr>
@@ -12159,7 +12187,7 @@
         </p:grpSpPr>
         <p:sp>
           <p:nvSpPr>
-            <p:cNvPr id="149" name="Google Shape;149;p20"/>
+            <p:cNvPr id="150" name="Google Shape;150;p20"/>
             <p:cNvSpPr/>
             <p:nvPr/>
           </p:nvSpPr>
@@ -12208,7 +12236,7 @@
         </p:sp>
         <p:sp>
           <p:nvSpPr>
-            <p:cNvPr id="150" name="Google Shape;150;p20"/>
+            <p:cNvPr id="151" name="Google Shape;151;p20"/>
             <p:cNvSpPr txBox="1"/>
             <p:nvPr/>
           </p:nvSpPr>
@@ -12259,7 +12287,7 @@
       </p:grpSp>
       <p:grpSp>
         <p:nvGrpSpPr>
-          <p:cNvPr id="151" name="Google Shape;151;p20"/>
+          <p:cNvPr id="152" name="Google Shape;152;p20"/>
           <p:cNvGrpSpPr/>
           <p:nvPr/>
         </p:nvGrpSpPr>
@@ -12273,7 +12301,7 @@
         </p:grpSpPr>
         <p:sp>
           <p:nvSpPr>
-            <p:cNvPr id="152" name="Google Shape;152;p20"/>
+            <p:cNvPr id="153" name="Google Shape;153;p20"/>
             <p:cNvSpPr/>
             <p:nvPr/>
           </p:nvSpPr>
@@ -12322,7 +12350,7 @@
         </p:sp>
         <p:sp>
           <p:nvSpPr>
-            <p:cNvPr id="153" name="Google Shape;153;p20"/>
+            <p:cNvPr id="154" name="Google Shape;154;p20"/>
             <p:cNvSpPr txBox="1"/>
             <p:nvPr/>
           </p:nvSpPr>
@@ -12373,7 +12401,7 @@
       </p:grpSp>
       <p:grpSp>
         <p:nvGrpSpPr>
-          <p:cNvPr id="154" name="Google Shape;154;p20"/>
+          <p:cNvPr id="155" name="Google Shape;155;p20"/>
           <p:cNvGrpSpPr/>
           <p:nvPr/>
         </p:nvGrpSpPr>
@@ -12387,7 +12415,7 @@
         </p:grpSpPr>
         <p:sp>
           <p:nvSpPr>
-            <p:cNvPr id="155" name="Google Shape;155;p20"/>
+            <p:cNvPr id="156" name="Google Shape;156;p20"/>
             <p:cNvSpPr/>
             <p:nvPr/>
           </p:nvSpPr>
@@ -12436,7 +12464,7 @@
         </p:sp>
         <p:sp>
           <p:nvSpPr>
-            <p:cNvPr id="156" name="Google Shape;156;p20"/>
+            <p:cNvPr id="157" name="Google Shape;157;p20"/>
             <p:cNvSpPr txBox="1"/>
             <p:nvPr/>
           </p:nvSpPr>
@@ -12487,7 +12515,7 @@
       </p:grpSp>
       <p:grpSp>
         <p:nvGrpSpPr>
-          <p:cNvPr id="157" name="Google Shape;157;p20"/>
+          <p:cNvPr id="158" name="Google Shape;158;p20"/>
           <p:cNvGrpSpPr/>
           <p:nvPr/>
         </p:nvGrpSpPr>
@@ -12501,7 +12529,7 @@
         </p:grpSpPr>
         <p:sp>
           <p:nvSpPr>
-            <p:cNvPr id="158" name="Google Shape;158;p20"/>
+            <p:cNvPr id="159" name="Google Shape;159;p20"/>
             <p:cNvSpPr/>
             <p:nvPr/>
           </p:nvSpPr>
@@ -12550,7 +12578,7 @@
         </p:sp>
         <p:sp>
           <p:nvSpPr>
-            <p:cNvPr id="159" name="Google Shape;159;p20"/>
+            <p:cNvPr id="160" name="Google Shape;160;p20"/>
             <p:cNvSpPr/>
             <p:nvPr/>
           </p:nvSpPr>
@@ -12599,7 +12627,7 @@
         </p:sp>
         <p:sp>
           <p:nvSpPr>
-            <p:cNvPr id="160" name="Google Shape;160;p20"/>
+            <p:cNvPr id="161" name="Google Shape;161;p20"/>
             <p:cNvSpPr txBox="1"/>
             <p:nvPr/>
           </p:nvSpPr>
@@ -12650,7 +12678,7 @@
       </p:grpSp>
       <p:grpSp>
         <p:nvGrpSpPr>
-          <p:cNvPr id="161" name="Google Shape;161;p20"/>
+          <p:cNvPr id="162" name="Google Shape;162;p20"/>
           <p:cNvGrpSpPr/>
           <p:nvPr/>
         </p:nvGrpSpPr>
@@ -12664,7 +12692,7 @@
         </p:grpSpPr>
         <p:sp>
           <p:nvSpPr>
-            <p:cNvPr id="162" name="Google Shape;162;p20"/>
+            <p:cNvPr id="163" name="Google Shape;163;p20"/>
             <p:cNvSpPr txBox="1"/>
             <p:nvPr/>
           </p:nvSpPr>
@@ -12714,10 +12742,10 @@
         </p:sp>
         <p:cxnSp>
           <p:nvCxnSpPr>
-            <p:cNvPr id="163" name="Google Shape;163;p20"/>
+            <p:cNvPr id="164" name="Google Shape;164;p20"/>
             <p:cNvCxnSpPr>
-              <a:stCxn id="162" idx="1"/>
-              <a:endCxn id="159" idx="3"/>
+              <a:stCxn id="163" idx="1"/>
+              <a:endCxn id="160" idx="3"/>
             </p:cNvCxnSpPr>
             <p:nvPr/>
           </p:nvCxnSpPr>
@@ -12744,7 +12772,7 @@
       </p:grpSp>
       <p:grpSp>
         <p:nvGrpSpPr>
-          <p:cNvPr id="164" name="Google Shape;164;p20"/>
+          <p:cNvPr id="165" name="Google Shape;165;p20"/>
           <p:cNvGrpSpPr/>
           <p:nvPr/>
         </p:nvGrpSpPr>
@@ -12758,7 +12786,7 @@
         </p:grpSpPr>
         <p:sp>
           <p:nvSpPr>
-            <p:cNvPr id="165" name="Google Shape;165;p20"/>
+            <p:cNvPr id="166" name="Google Shape;166;p20"/>
             <p:cNvSpPr/>
             <p:nvPr/>
           </p:nvSpPr>
@@ -12807,7 +12835,7 @@
         </p:sp>
         <p:sp>
           <p:nvSpPr>
-            <p:cNvPr id="166" name="Google Shape;166;p20"/>
+            <p:cNvPr id="167" name="Google Shape;167;p20"/>
             <p:cNvSpPr txBox="1"/>
             <p:nvPr/>
           </p:nvSpPr>
@@ -12858,7 +12886,7 @@
       </p:grpSp>
       <p:grpSp>
         <p:nvGrpSpPr>
-          <p:cNvPr id="167" name="Google Shape;167;p20"/>
+          <p:cNvPr id="168" name="Google Shape;168;p20"/>
           <p:cNvGrpSpPr/>
           <p:nvPr/>
         </p:nvGrpSpPr>
@@ -12872,7 +12900,7 @@
         </p:grpSpPr>
         <p:sp>
           <p:nvSpPr>
-            <p:cNvPr id="168" name="Google Shape;168;p20"/>
+            <p:cNvPr id="169" name="Google Shape;169;p20"/>
             <p:cNvSpPr txBox="1"/>
             <p:nvPr/>
           </p:nvSpPr>
@@ -12922,7 +12950,7 @@
         </p:sp>
         <p:sp>
           <p:nvSpPr>
-            <p:cNvPr id="169" name="Google Shape;169;p20"/>
+            <p:cNvPr id="170" name="Google Shape;170;p20"/>
             <p:cNvSpPr/>
             <p:nvPr/>
           </p:nvSpPr>
@@ -12971,7 +12999,7 @@
         </p:sp>
         <p:sp>
           <p:nvSpPr>
-            <p:cNvPr id="170" name="Google Shape;170;p20"/>
+            <p:cNvPr id="171" name="Google Shape;171;p20"/>
             <p:cNvSpPr/>
             <p:nvPr/>
           </p:nvSpPr>
@@ -13021,7 +13049,7 @@
       </p:grpSp>
       <p:grpSp>
         <p:nvGrpSpPr>
-          <p:cNvPr id="171" name="Google Shape;171;p20"/>
+          <p:cNvPr id="172" name="Google Shape;172;p20"/>
           <p:cNvGrpSpPr/>
           <p:nvPr/>
         </p:nvGrpSpPr>
@@ -13035,7 +13063,7 @@
         </p:grpSpPr>
         <p:sp>
           <p:nvSpPr>
-            <p:cNvPr id="172" name="Google Shape;172;p20"/>
+            <p:cNvPr id="173" name="Google Shape;173;p20"/>
             <p:cNvSpPr/>
             <p:nvPr/>
           </p:nvSpPr>
@@ -13084,7 +13112,7 @@
         </p:sp>
         <p:sp>
           <p:nvSpPr>
-            <p:cNvPr id="173" name="Google Shape;173;p20"/>
+            <p:cNvPr id="174" name="Google Shape;174;p20"/>
             <p:cNvSpPr/>
             <p:nvPr/>
           </p:nvSpPr>
@@ -13133,7 +13161,7 @@
         </p:sp>
         <p:sp>
           <p:nvSpPr>
-            <p:cNvPr id="174" name="Google Shape;174;p20"/>
+            <p:cNvPr id="175" name="Google Shape;175;p20"/>
             <p:cNvSpPr txBox="1"/>
             <p:nvPr/>
           </p:nvSpPr>
@@ -13184,7 +13212,7 @@
       </p:grpSp>
       <p:grpSp>
         <p:nvGrpSpPr>
-          <p:cNvPr id="175" name="Google Shape;175;p20"/>
+          <p:cNvPr id="176" name="Google Shape;176;p20"/>
           <p:cNvGrpSpPr/>
           <p:nvPr/>
         </p:nvGrpSpPr>
@@ -13198,7 +13226,7 @@
         </p:grpSpPr>
         <p:sp>
           <p:nvSpPr>
-            <p:cNvPr id="176" name="Google Shape;176;p20"/>
+            <p:cNvPr id="177" name="Google Shape;177;p20"/>
             <p:cNvSpPr/>
             <p:nvPr/>
           </p:nvSpPr>
@@ -13247,7 +13275,7 @@
         </p:sp>
         <p:sp>
           <p:nvSpPr>
-            <p:cNvPr id="177" name="Google Shape;177;p20"/>
+            <p:cNvPr id="178" name="Google Shape;178;p20"/>
             <p:cNvSpPr/>
             <p:nvPr/>
           </p:nvSpPr>
@@ -13296,7 +13324,7 @@
         </p:sp>
         <p:sp>
           <p:nvSpPr>
-            <p:cNvPr id="178" name="Google Shape;178;p20"/>
+            <p:cNvPr id="179" name="Google Shape;179;p20"/>
             <p:cNvSpPr txBox="1"/>
             <p:nvPr/>
           </p:nvSpPr>
@@ -13347,7 +13375,7 @@
       </p:grpSp>
       <p:grpSp>
         <p:nvGrpSpPr>
-          <p:cNvPr id="179" name="Google Shape;179;p20"/>
+          <p:cNvPr id="180" name="Google Shape;180;p20"/>
           <p:cNvGrpSpPr/>
           <p:nvPr/>
         </p:nvGrpSpPr>
@@ -13361,7 +13389,7 @@
         </p:grpSpPr>
         <p:sp>
           <p:nvSpPr>
-            <p:cNvPr id="180" name="Google Shape;180;p20"/>
+            <p:cNvPr id="181" name="Google Shape;181;p20"/>
             <p:cNvSpPr/>
             <p:nvPr/>
           </p:nvSpPr>
@@ -13410,7 +13438,7 @@
         </p:sp>
         <p:sp>
           <p:nvSpPr>
-            <p:cNvPr id="181" name="Google Shape;181;p20"/>
+            <p:cNvPr id="182" name="Google Shape;182;p20"/>
             <p:cNvSpPr/>
             <p:nvPr/>
           </p:nvSpPr>
@@ -13459,7 +13487,7 @@
         </p:sp>
         <p:sp>
           <p:nvSpPr>
-            <p:cNvPr id="182" name="Google Shape;182;p20"/>
+            <p:cNvPr id="183" name="Google Shape;183;p20"/>
             <p:cNvSpPr txBox="1"/>
             <p:nvPr/>
           </p:nvSpPr>
@@ -13510,7 +13538,7 @@
       </p:grpSp>
       <p:grpSp>
         <p:nvGrpSpPr>
-          <p:cNvPr id="183" name="Google Shape;183;p20"/>
+          <p:cNvPr id="184" name="Google Shape;184;p20"/>
           <p:cNvGrpSpPr/>
           <p:nvPr/>
         </p:nvGrpSpPr>
@@ -13524,7 +13552,7 @@
         </p:grpSpPr>
         <p:sp>
           <p:nvSpPr>
-            <p:cNvPr id="184" name="Google Shape;184;p20"/>
+            <p:cNvPr id="185" name="Google Shape;185;p20"/>
             <p:cNvSpPr/>
             <p:nvPr/>
           </p:nvSpPr>
@@ -13573,7 +13601,7 @@
         </p:sp>
         <p:sp>
           <p:nvSpPr>
-            <p:cNvPr id="185" name="Google Shape;185;p20"/>
+            <p:cNvPr id="186" name="Google Shape;186;p20"/>
             <p:cNvSpPr/>
             <p:nvPr/>
           </p:nvSpPr>
@@ -13622,7 +13650,7 @@
         </p:sp>
         <p:sp>
           <p:nvSpPr>
-            <p:cNvPr id="186" name="Google Shape;186;p20"/>
+            <p:cNvPr id="187" name="Google Shape;187;p20"/>
             <p:cNvSpPr txBox="1"/>
             <p:nvPr/>
           </p:nvSpPr>
@@ -13734,7 +13762,7 @@
                                           </p:stCondLst>
                                         </p:cTn>
                                         <p:tgtEl>
-                                          <p:spTgt spid="127"/>
+                                          <p:spTgt spid="128"/>
                                         </p:tgtEl>
                                         <p:attrNameLst>
                                           <p:attrName>style.visibility</p:attrName>
@@ -13779,7 +13807,7 @@
                                           </p:stCondLst>
                                         </p:cTn>
                                         <p:tgtEl>
-                                          <p:spTgt spid="130"/>
+                                          <p:spTgt spid="131"/>
                                         </p:tgtEl>
                                         <p:attrNameLst>
                                           <p:attrName>style.visibility</p:attrName>
@@ -13824,7 +13852,7 @@
                                           </p:stCondLst>
                                         </p:cTn>
                                         <p:tgtEl>
-                                          <p:spTgt spid="133"/>
+                                          <p:spTgt spid="134"/>
                                         </p:tgtEl>
                                         <p:attrNameLst>
                                           <p:attrName>style.visibility</p:attrName>
@@ -13869,7 +13897,7 @@
                                           </p:stCondLst>
                                         </p:cTn>
                                         <p:tgtEl>
-                                          <p:spTgt spid="136"/>
+                                          <p:spTgt spid="137"/>
                                         </p:tgtEl>
                                         <p:attrNameLst>
                                           <p:attrName>style.visibility</p:attrName>
@@ -13914,7 +13942,7 @@
                                           </p:stCondLst>
                                         </p:cTn>
                                         <p:tgtEl>
-                                          <p:spTgt spid="139"/>
+                                          <p:spTgt spid="140"/>
                                         </p:tgtEl>
                                         <p:attrNameLst>
                                           <p:attrName>style.visibility</p:attrName>
@@ -13959,7 +13987,7 @@
                                           </p:stCondLst>
                                         </p:cTn>
                                         <p:tgtEl>
-                                          <p:spTgt spid="142"/>
+                                          <p:spTgt spid="143"/>
                                         </p:tgtEl>
                                         <p:attrNameLst>
                                           <p:attrName>style.visibility</p:attrName>
@@ -14004,7 +14032,7 @@
                                           </p:stCondLst>
                                         </p:cTn>
                                         <p:tgtEl>
-                                          <p:spTgt spid="145"/>
+                                          <p:spTgt spid="146"/>
                                         </p:tgtEl>
                                         <p:attrNameLst>
                                           <p:attrName>style.visibility</p:attrName>
@@ -14049,7 +14077,7 @@
                                           </p:stCondLst>
                                         </p:cTn>
                                         <p:tgtEl>
-                                          <p:spTgt spid="148"/>
+                                          <p:spTgt spid="149"/>
                                         </p:tgtEl>
                                         <p:attrNameLst>
                                           <p:attrName>style.visibility</p:attrName>
@@ -14094,7 +14122,7 @@
                                           </p:stCondLst>
                                         </p:cTn>
                                         <p:tgtEl>
-                                          <p:spTgt spid="151"/>
+                                          <p:spTgt spid="152"/>
                                         </p:tgtEl>
                                         <p:attrNameLst>
                                           <p:attrName>style.visibility</p:attrName>
@@ -14139,7 +14167,7 @@
                                           </p:stCondLst>
                                         </p:cTn>
                                         <p:tgtEl>
-                                          <p:spTgt spid="154"/>
+                                          <p:spTgt spid="155"/>
                                         </p:tgtEl>
                                         <p:attrNameLst>
                                           <p:attrName>style.visibility</p:attrName>
@@ -14184,7 +14212,7 @@
                                           </p:stCondLst>
                                         </p:cTn>
                                         <p:tgtEl>
-                                          <p:spTgt spid="157"/>
+                                          <p:spTgt spid="158"/>
                                         </p:tgtEl>
                                         <p:attrNameLst>
                                           <p:attrName>style.visibility</p:attrName>
@@ -14229,7 +14257,7 @@
                                           </p:stCondLst>
                                         </p:cTn>
                                         <p:tgtEl>
-                                          <p:spTgt spid="161"/>
+                                          <p:spTgt spid="162"/>
                                         </p:tgtEl>
                                         <p:attrNameLst>
                                           <p:attrName>style.visibility</p:attrName>
@@ -14274,7 +14302,7 @@
                                           </p:stCondLst>
                                         </p:cTn>
                                         <p:tgtEl>
-                                          <p:spTgt spid="164"/>
+                                          <p:spTgt spid="165"/>
                                         </p:tgtEl>
                                         <p:attrNameLst>
                                           <p:attrName>style.visibility</p:attrName>
@@ -14319,7 +14347,7 @@
                                           </p:stCondLst>
                                         </p:cTn>
                                         <p:tgtEl>
-                                          <p:spTgt spid="167"/>
+                                          <p:spTgt spid="168"/>
                                         </p:tgtEl>
                                         <p:attrNameLst>
                                           <p:attrName>style.visibility</p:attrName>
@@ -14364,7 +14392,7 @@
                                           </p:stCondLst>
                                         </p:cTn>
                                         <p:tgtEl>
-                                          <p:spTgt spid="171"/>
+                                          <p:spTgt spid="172"/>
                                         </p:tgtEl>
                                         <p:attrNameLst>
                                           <p:attrName>style.visibility</p:attrName>
@@ -14409,7 +14437,7 @@
                                           </p:stCondLst>
                                         </p:cTn>
                                         <p:tgtEl>
-                                          <p:spTgt spid="175"/>
+                                          <p:spTgt spid="176"/>
                                         </p:tgtEl>
                                         <p:attrNameLst>
                                           <p:attrName>style.visibility</p:attrName>
@@ -14454,7 +14482,7 @@
                                           </p:stCondLst>
                                         </p:cTn>
                                         <p:tgtEl>
-                                          <p:spTgt spid="179"/>
+                                          <p:spTgt spid="180"/>
                                         </p:tgtEl>
                                         <p:attrNameLst>
                                           <p:attrName>style.visibility</p:attrName>
@@ -14499,7 +14527,7 @@
                                           </p:stCondLst>
                                         </p:cTn>
                                         <p:tgtEl>
-                                          <p:spTgt spid="183"/>
+                                          <p:spTgt spid="184"/>
                                         </p:tgtEl>
                                         <p:attrNameLst>
                                           <p:attrName>style.visibility</p:attrName>
@@ -14548,7 +14576,7 @@
   <p:cSld>
     <p:spTree>
       <p:nvGrpSpPr>
-        <p:cNvPr id="190" name="Shape 190"/>
+        <p:cNvPr id="191" name="Shape 191"/>
         <p:cNvGrpSpPr/>
         <p:nvPr/>
       </p:nvGrpSpPr>
@@ -14562,7 +14590,7 @@
       </p:grpSpPr>
       <p:sp>
         <p:nvSpPr>
-          <p:cNvPr id="191" name="Google Shape;191;p21"/>
+          <p:cNvPr id="192" name="Google Shape;192;p21"/>
           <p:cNvSpPr txBox="1"/>
           <p:nvPr>
             <p:ph type="title"/>
@@ -14602,7 +14630,7 @@
       </p:sp>
       <p:sp>
         <p:nvSpPr>
-          <p:cNvPr id="192" name="Google Shape;192;p21"/>
+          <p:cNvPr id="193" name="Google Shape;193;p21"/>
           <p:cNvSpPr txBox="1"/>
           <p:nvPr>
             <p:ph idx="1" type="body"/>
@@ -14694,15 +14722,7 @@
             </a:pPr>
             <a:r>
               <a:rPr lang="en"/>
-              <a:t>Let the team know you expect high quality, and that this type of testing should be </a:t>
-            </a:r>
-            <a:r>
-              <a:rPr lang="en"/>
-              <a:t>included</a:t>
-            </a:r>
-            <a:r>
-              <a:rPr lang="en"/>
-              <a:t> in their estimates.</a:t>
+              <a:t>Let the team know you expect high quality, and that this type of testing is part of their way of working.</a:t>
             </a:r>
             <a:endParaRPr/>
           </a:p>
@@ -14710,7 +14730,7 @@
       </p:sp>
       <p:pic>
         <p:nvPicPr>
-          <p:cNvPr id="193" name="Google Shape;193;p21"/>
+          <p:cNvPr id="194" name="Google Shape;194;p21"/>
           <p:cNvPicPr preferRelativeResize="0"/>
           <p:nvPr/>
         </p:nvPicPr>
@@ -14775,7 +14795,7 @@
                                           </p:stCondLst>
                                         </p:cTn>
                                         <p:tgtEl>
-                                          <p:spTgt spid="193"/>
+                                          <p:spTgt spid="194"/>
                                         </p:tgtEl>
                                         <p:attrNameLst>
                                           <p:attrName>style.visibility</p:attrName>
@@ -14820,7 +14840,7 @@
                                           </p:stCondLst>
                                         </p:cTn>
                                         <p:tgtEl>
-                                          <p:spTgt spid="192">
+                                          <p:spTgt spid="193">
                                             <p:txEl>
                                               <p:pRg end="0" st="0"/>
                                             </p:txEl>
@@ -14869,7 +14889,7 @@
                                           </p:stCondLst>
                                         </p:cTn>
                                         <p:tgtEl>
-                                          <p:spTgt spid="192">
+                                          <p:spTgt spid="193">
                                             <p:txEl>
                                               <p:pRg end="1" st="1"/>
                                             </p:txEl>
@@ -14918,7 +14938,7 @@
                                           </p:stCondLst>
                                         </p:cTn>
                                         <p:tgtEl>
-                                          <p:spTgt spid="192">
+                                          <p:spTgt spid="193">
                                             <p:txEl>
                                               <p:pRg end="2" st="2"/>
                                             </p:txEl>
@@ -14967,7 +14987,7 @@
                                           </p:stCondLst>
                                         </p:cTn>
                                         <p:tgtEl>
-                                          <p:spTgt spid="192">
+                                          <p:spTgt spid="193">
                                             <p:txEl>
                                               <p:pRg end="3" st="3"/>
                                             </p:txEl>
@@ -15016,6 +15036,285 @@
 </file>
 
 <file path=ppt/theme/theme1.xml><?xml version="1.0" encoding="utf-8"?>
+<a:theme xmlns:a="http://schemas.openxmlformats.org/drawingml/2006/main" xmlns:r="http://schemas.openxmlformats.org/officeDocument/2006/relationships">
+  <a:themeElements>
+    <a:clrScheme name="Default">
+      <a:dk1>
+        <a:srgbClr val="000000"/>
+      </a:dk1>
+      <a:lt1>
+        <a:srgbClr val="FFFFFF"/>
+      </a:lt1>
+      <a:dk2>
+        <a:srgbClr val="158158"/>
+      </a:dk2>
+      <a:lt2>
+        <a:srgbClr val="F3F3F3"/>
+      </a:lt2>
+      <a:accent1>
+        <a:srgbClr val="058DC7"/>
+      </a:accent1>
+      <a:accent2>
+        <a:srgbClr val="50B432"/>
+      </a:accent2>
+      <a:accent3>
+        <a:srgbClr val="ED561B"/>
+      </a:accent3>
+      <a:accent4>
+        <a:srgbClr val="EDEF00"/>
+      </a:accent4>
+      <a:accent5>
+        <a:srgbClr val="24CBE5"/>
+      </a:accent5>
+      <a:accent6>
+        <a:srgbClr val="64E572"/>
+      </a:accent6>
+      <a:hlink>
+        <a:srgbClr val="2200CC"/>
+      </a:hlink>
+      <a:folHlink>
+        <a:srgbClr val="551A8B"/>
+      </a:folHlink>
+    </a:clrScheme>
+    <a:fontScheme name="Office">
+      <a:majorFont>
+        <a:latin typeface="Arial"/>
+        <a:ea typeface=""/>
+        <a:cs typeface=""/>
+        <a:font script="Jpan" typeface="ＭＳ Ｐゴシック"/>
+        <a:font script="Hang" typeface="맑은 고딕"/>
+        <a:font script="Hans" typeface="宋体"/>
+        <a:font script="Hant" typeface="新細明體"/>
+        <a:font script="Arab" typeface="Times New Roman"/>
+        <a:font script="Hebr" typeface="Times New Roman"/>
+        <a:font script="Thai" typeface="Angsana New"/>
+        <a:font script="Ethi" typeface="Nyala"/>
+        <a:font script="Beng" typeface="Vrinda"/>
+        <a:font script="Gujr" typeface="Shruti"/>
+        <a:font script="Khmr" typeface="MoolBoran"/>
+        <a:font script="Knda" typeface="Tunga"/>
+        <a:font script="Guru" typeface="Raavi"/>
+        <a:font script="Cans" typeface="Euphemia"/>
+        <a:font script="Cher" typeface="Plantagenet Cherokee"/>
+        <a:font script="Yiii" typeface="Microsoft Yi Baiti"/>
+        <a:font script="Tibt" typeface="Microsoft Himalaya"/>
+        <a:font script="Thaa" typeface="MV Boli"/>
+        <a:font script="Deva" typeface="Mangal"/>
+        <a:font script="Telu" typeface="Gautami"/>
+        <a:font script="Taml" typeface="Latha"/>
+        <a:font script="Syrc" typeface="Estrangelo Edessa"/>
+        <a:font script="Orya" typeface="Kalinga"/>
+        <a:font script="Mlym" typeface="Kartika"/>
+        <a:font script="Laoo" typeface="DokChampa"/>
+        <a:font script="Sinh" typeface="Iskoola Pota"/>
+        <a:font script="Mong" typeface="Mongolian Baiti"/>
+        <a:font script="Viet" typeface="Times New Roman"/>
+        <a:font script="Uigh" typeface="Microsoft Uighur"/>
+        <a:font script="Geor" typeface="Sylfaen"/>
+      </a:majorFont>
+      <a:minorFont>
+        <a:latin typeface="Arial"/>
+        <a:ea typeface=""/>
+        <a:cs typeface=""/>
+        <a:font script="Jpan" typeface="ＭＳ Ｐゴシック"/>
+        <a:font script="Hang" typeface="맑은 고딕"/>
+        <a:font script="Hans" typeface="宋体"/>
+        <a:font script="Hant" typeface="新細明體"/>
+        <a:font script="Arab" typeface="Arial"/>
+        <a:font script="Hebr" typeface="Arial"/>
+        <a:font script="Thai" typeface="Cordia New"/>
+        <a:font script="Ethi" typeface="Nyala"/>
+        <a:font script="Beng" typeface="Vrinda"/>
+        <a:font script="Gujr" typeface="Shruti"/>
+        <a:font script="Khmr" typeface="DaunPenh"/>
+        <a:font script="Knda" typeface="Tunga"/>
+        <a:font script="Guru" typeface="Raavi"/>
+        <a:font script="Cans" typeface="Euphemia"/>
+        <a:font script="Cher" typeface="Plantagenet Cherokee"/>
+        <a:font script="Yiii" typeface="Microsoft Yi Baiti"/>
+        <a:font script="Tibt" typeface="Microsoft Himalaya"/>
+        <a:font script="Thaa" typeface="MV Boli"/>
+        <a:font script="Deva" typeface="Mangal"/>
+        <a:font script="Telu" typeface="Gautami"/>
+        <a:font script="Taml" typeface="Latha"/>
+        <a:font script="Syrc" typeface="Estrangelo Edessa"/>
+        <a:font script="Orya" typeface="Kalinga"/>
+        <a:font script="Mlym" typeface="Kartika"/>
+        <a:font script="Laoo" typeface="DokChampa"/>
+        <a:font script="Sinh" typeface="Iskoola Pota"/>
+        <a:font script="Mong" typeface="Mongolian Baiti"/>
+        <a:font script="Viet" typeface="Arial"/>
+        <a:font script="Uigh" typeface="Microsoft Uighur"/>
+        <a:font script="Geor" typeface="Sylfaen"/>
+      </a:minorFont>
+    </a:fontScheme>
+    <a:fmtScheme name="Office">
+      <a:fillStyleLst>
+        <a:solidFill>
+          <a:schemeClr val="phClr"/>
+        </a:solidFill>
+        <a:gradFill rotWithShape="1">
+          <a:gsLst>
+            <a:gs pos="0">
+              <a:schemeClr val="phClr">
+                <a:tint val="50000"/>
+                <a:satMod val="300000"/>
+              </a:schemeClr>
+            </a:gs>
+            <a:gs pos="35000">
+              <a:schemeClr val="phClr">
+                <a:tint val="37000"/>
+                <a:satMod val="300000"/>
+              </a:schemeClr>
+            </a:gs>
+            <a:gs pos="100000">
+              <a:schemeClr val="phClr">
+                <a:tint val="15000"/>
+                <a:satMod val="350000"/>
+              </a:schemeClr>
+            </a:gs>
+          </a:gsLst>
+          <a:lin ang="16200000" scaled="1"/>
+        </a:gradFill>
+        <a:gradFill rotWithShape="1">
+          <a:gsLst>
+            <a:gs pos="0">
+              <a:schemeClr val="phClr">
+                <a:tint val="100000"/>
+                <a:shade val="100000"/>
+                <a:satMod val="130000"/>
+              </a:schemeClr>
+            </a:gs>
+            <a:gs pos="100000">
+              <a:schemeClr val="phClr">
+                <a:tint val="50000"/>
+                <a:shade val="100000"/>
+                <a:satMod val="350000"/>
+              </a:schemeClr>
+            </a:gs>
+          </a:gsLst>
+          <a:lin ang="16200000" scaled="0"/>
+        </a:gradFill>
+      </a:fillStyleLst>
+      <a:lnStyleLst>
+        <a:ln w="9525" cap="flat" cmpd="sng" algn="ctr">
+          <a:solidFill>
+            <a:schemeClr val="phClr">
+              <a:shade val="95000"/>
+              <a:satMod val="105000"/>
+            </a:schemeClr>
+          </a:solidFill>
+          <a:prstDash val="solid"/>
+        </a:ln>
+        <a:ln w="25400" cap="flat" cmpd="sng" algn="ctr">
+          <a:solidFill>
+            <a:schemeClr val="phClr"/>
+          </a:solidFill>
+          <a:prstDash val="solid"/>
+        </a:ln>
+        <a:ln w="38100" cap="flat" cmpd="sng" algn="ctr">
+          <a:solidFill>
+            <a:schemeClr val="phClr"/>
+          </a:solidFill>
+          <a:prstDash val="solid"/>
+        </a:ln>
+      </a:lnStyleLst>
+      <a:effectStyleLst>
+        <a:effectStyle>
+          <a:effectLst>
+            <a:outerShdw blurRad="40000" dist="20000" dir="5400000" rotWithShape="0">
+              <a:srgbClr val="000000">
+                <a:alpha val="38000"/>
+              </a:srgbClr>
+            </a:outerShdw>
+          </a:effectLst>
+        </a:effectStyle>
+        <a:effectStyle>
+          <a:effectLst>
+            <a:outerShdw blurRad="40000" dist="23000" dir="5400000" rotWithShape="0">
+              <a:srgbClr val="000000">
+                <a:alpha val="35000"/>
+              </a:srgbClr>
+            </a:outerShdw>
+          </a:effectLst>
+        </a:effectStyle>
+        <a:effectStyle>
+          <a:effectLst>
+            <a:outerShdw blurRad="40000" dist="23000" dir="5400000" rotWithShape="0">
+              <a:srgbClr val="000000">
+                <a:alpha val="35000"/>
+              </a:srgbClr>
+            </a:outerShdw>
+          </a:effectLst>
+          <a:scene3d>
+            <a:camera prst="orthographicFront">
+              <a:rot lat="0" lon="0" rev="0"/>
+            </a:camera>
+            <a:lightRig rig="threePt" dir="t">
+              <a:rot lat="0" lon="0" rev="1200000"/>
+            </a:lightRig>
+          </a:scene3d>
+          <a:sp3d>
+            <a:bevelT w="63500" h="25400"/>
+          </a:sp3d>
+        </a:effectStyle>
+      </a:effectStyleLst>
+      <a:bgFillStyleLst>
+        <a:solidFill>
+          <a:schemeClr val="phClr"/>
+        </a:solidFill>
+        <a:gradFill rotWithShape="1">
+          <a:gsLst>
+            <a:gs pos="0">
+              <a:schemeClr val="phClr">
+                <a:tint val="40000"/>
+                <a:satMod val="350000"/>
+              </a:schemeClr>
+            </a:gs>
+            <a:gs pos="40000">
+              <a:schemeClr val="phClr">
+                <a:tint val="45000"/>
+                <a:shade val="99000"/>
+                <a:satMod val="350000"/>
+              </a:schemeClr>
+            </a:gs>
+            <a:gs pos="100000">
+              <a:schemeClr val="phClr">
+                <a:shade val="20000"/>
+                <a:satMod val="255000"/>
+              </a:schemeClr>
+            </a:gs>
+          </a:gsLst>
+          <a:path path="circle">
+            <a:fillToRect l="50000" t="-80000" r="50000" b="180000"/>
+          </a:path>
+        </a:gradFill>
+        <a:gradFill rotWithShape="1">
+          <a:gsLst>
+            <a:gs pos="0">
+              <a:schemeClr val="phClr">
+                <a:tint val="80000"/>
+                <a:satMod val="300000"/>
+              </a:schemeClr>
+            </a:gs>
+            <a:gs pos="100000">
+              <a:schemeClr val="phClr">
+                <a:shade val="30000"/>
+                <a:satMod val="200000"/>
+              </a:schemeClr>
+            </a:gs>
+          </a:gsLst>
+          <a:path path="circle">
+            <a:fillToRect l="50000" t="50000" r="50000" b="50000"/>
+          </a:path>
+        </a:gradFill>
+      </a:bgFillStyleLst>
+    </a:fmtScheme>
+  </a:themeElements>
+</a:theme>
+</file>
+
+<file path=ppt/theme/theme2.xml><?xml version="1.0" encoding="utf-8"?>
 <a:theme xmlns:a="http://schemas.openxmlformats.org/drawingml/2006/main" xmlns:r="http://schemas.openxmlformats.org/officeDocument/2006/relationships" name="Simple Light">
   <a:themeElements>
     <a:clrScheme name="Simple Light">
@@ -15292,283 +15591,4 @@
     </a:fmtScheme>
   </a:themeElements>
 </a:theme>
-</file>
-
-<file path=ppt/theme/theme2.xml><?xml version="1.0" encoding="utf-8"?>
-<a:theme xmlns:a="http://schemas.openxmlformats.org/drawingml/2006/main" xmlns:r="http://schemas.openxmlformats.org/officeDocument/2006/relationships">
-  <a:themeElements>
-    <a:clrScheme name="Default">
-      <a:dk1>
-        <a:srgbClr val="000000"/>
-      </a:dk1>
-      <a:lt1>
-        <a:srgbClr val="FFFFFF"/>
-      </a:lt1>
-      <a:dk2>
-        <a:srgbClr val="158158"/>
-      </a:dk2>
-      <a:lt2>
-        <a:srgbClr val="F3F3F3"/>
-      </a:lt2>
-      <a:accent1>
-        <a:srgbClr val="058DC7"/>
-      </a:accent1>
-      <a:accent2>
-        <a:srgbClr val="50B432"/>
-      </a:accent2>
-      <a:accent3>
-        <a:srgbClr val="ED561B"/>
-      </a:accent3>
-      <a:accent4>
-        <a:srgbClr val="EDEF00"/>
-      </a:accent4>
-      <a:accent5>
-        <a:srgbClr val="24CBE5"/>
-      </a:accent5>
-      <a:accent6>
-        <a:srgbClr val="64E572"/>
-      </a:accent6>
-      <a:hlink>
-        <a:srgbClr val="2200CC"/>
-      </a:hlink>
-      <a:folHlink>
-        <a:srgbClr val="551A8B"/>
-      </a:folHlink>
-    </a:clrScheme>
-    <a:fontScheme name="Office">
-      <a:majorFont>
-        <a:latin typeface="Arial"/>
-        <a:ea typeface=""/>
-        <a:cs typeface=""/>
-        <a:font script="Jpan" typeface="ＭＳ Ｐゴシック"/>
-        <a:font script="Hang" typeface="맑은 고딕"/>
-        <a:font script="Hans" typeface="宋体"/>
-        <a:font script="Hant" typeface="新細明體"/>
-        <a:font script="Arab" typeface="Times New Roman"/>
-        <a:font script="Hebr" typeface="Times New Roman"/>
-        <a:font script="Thai" typeface="Angsana New"/>
-        <a:font script="Ethi" typeface="Nyala"/>
-        <a:font script="Beng" typeface="Vrinda"/>
-        <a:font script="Gujr" typeface="Shruti"/>
-        <a:font script="Khmr" typeface="MoolBoran"/>
-        <a:font script="Knda" typeface="Tunga"/>
-        <a:font script="Guru" typeface="Raavi"/>
-        <a:font script="Cans" typeface="Euphemia"/>
-        <a:font script="Cher" typeface="Plantagenet Cherokee"/>
-        <a:font script="Yiii" typeface="Microsoft Yi Baiti"/>
-        <a:font script="Tibt" typeface="Microsoft Himalaya"/>
-        <a:font script="Thaa" typeface="MV Boli"/>
-        <a:font script="Deva" typeface="Mangal"/>
-        <a:font script="Telu" typeface="Gautami"/>
-        <a:font script="Taml" typeface="Latha"/>
-        <a:font script="Syrc" typeface="Estrangelo Edessa"/>
-        <a:font script="Orya" typeface="Kalinga"/>
-        <a:font script="Mlym" typeface="Kartika"/>
-        <a:font script="Laoo" typeface="DokChampa"/>
-        <a:font script="Sinh" typeface="Iskoola Pota"/>
-        <a:font script="Mong" typeface="Mongolian Baiti"/>
-        <a:font script="Viet" typeface="Times New Roman"/>
-        <a:font script="Uigh" typeface="Microsoft Uighur"/>
-        <a:font script="Geor" typeface="Sylfaen"/>
-      </a:majorFont>
-      <a:minorFont>
-        <a:latin typeface="Arial"/>
-        <a:ea typeface=""/>
-        <a:cs typeface=""/>
-        <a:font script="Jpan" typeface="ＭＳ Ｐゴシック"/>
-        <a:font script="Hang" typeface="맑은 고딕"/>
-        <a:font script="Hans" typeface="宋体"/>
-        <a:font script="Hant" typeface="新細明體"/>
-        <a:font script="Arab" typeface="Arial"/>
-        <a:font script="Hebr" typeface="Arial"/>
-        <a:font script="Thai" typeface="Cordia New"/>
-        <a:font script="Ethi" typeface="Nyala"/>
-        <a:font script="Beng" typeface="Vrinda"/>
-        <a:font script="Gujr" typeface="Shruti"/>
-        <a:font script="Khmr" typeface="DaunPenh"/>
-        <a:font script="Knda" typeface="Tunga"/>
-        <a:font script="Guru" typeface="Raavi"/>
-        <a:font script="Cans" typeface="Euphemia"/>
-        <a:font script="Cher" typeface="Plantagenet Cherokee"/>
-        <a:font script="Yiii" typeface="Microsoft Yi Baiti"/>
-        <a:font script="Tibt" typeface="Microsoft Himalaya"/>
-        <a:font script="Thaa" typeface="MV Boli"/>
-        <a:font script="Deva" typeface="Mangal"/>
-        <a:font script="Telu" typeface="Gautami"/>
-        <a:font script="Taml" typeface="Latha"/>
-        <a:font script="Syrc" typeface="Estrangelo Edessa"/>
-        <a:font script="Orya" typeface="Kalinga"/>
-        <a:font script="Mlym" typeface="Kartika"/>
-        <a:font script="Laoo" typeface="DokChampa"/>
-        <a:font script="Sinh" typeface="Iskoola Pota"/>
-        <a:font script="Mong" typeface="Mongolian Baiti"/>
-        <a:font script="Viet" typeface="Arial"/>
-        <a:font script="Uigh" typeface="Microsoft Uighur"/>
-        <a:font script="Geor" typeface="Sylfaen"/>
-      </a:minorFont>
-    </a:fontScheme>
-    <a:fmtScheme name="Office">
-      <a:fillStyleLst>
-        <a:solidFill>
-          <a:schemeClr val="phClr"/>
-        </a:solidFill>
-        <a:gradFill rotWithShape="1">
-          <a:gsLst>
-            <a:gs pos="0">
-              <a:schemeClr val="phClr">
-                <a:tint val="50000"/>
-                <a:satMod val="300000"/>
-              </a:schemeClr>
-            </a:gs>
-            <a:gs pos="35000">
-              <a:schemeClr val="phClr">
-                <a:tint val="37000"/>
-                <a:satMod val="300000"/>
-              </a:schemeClr>
-            </a:gs>
-            <a:gs pos="100000">
-              <a:schemeClr val="phClr">
-                <a:tint val="15000"/>
-                <a:satMod val="350000"/>
-              </a:schemeClr>
-            </a:gs>
-          </a:gsLst>
-          <a:lin ang="16200000" scaled="1"/>
-        </a:gradFill>
-        <a:gradFill rotWithShape="1">
-          <a:gsLst>
-            <a:gs pos="0">
-              <a:schemeClr val="phClr">
-                <a:tint val="100000"/>
-                <a:shade val="100000"/>
-                <a:satMod val="130000"/>
-              </a:schemeClr>
-            </a:gs>
-            <a:gs pos="100000">
-              <a:schemeClr val="phClr">
-                <a:tint val="50000"/>
-                <a:shade val="100000"/>
-                <a:satMod val="350000"/>
-              </a:schemeClr>
-            </a:gs>
-          </a:gsLst>
-          <a:lin ang="16200000" scaled="0"/>
-        </a:gradFill>
-      </a:fillStyleLst>
-      <a:lnStyleLst>
-        <a:ln w="9525" cap="flat" cmpd="sng" algn="ctr">
-          <a:solidFill>
-            <a:schemeClr val="phClr">
-              <a:shade val="95000"/>
-              <a:satMod val="105000"/>
-            </a:schemeClr>
-          </a:solidFill>
-          <a:prstDash val="solid"/>
-        </a:ln>
-        <a:ln w="25400" cap="flat" cmpd="sng" algn="ctr">
-          <a:solidFill>
-            <a:schemeClr val="phClr"/>
-          </a:solidFill>
-          <a:prstDash val="solid"/>
-        </a:ln>
-        <a:ln w="38100" cap="flat" cmpd="sng" algn="ctr">
-          <a:solidFill>
-            <a:schemeClr val="phClr"/>
-          </a:solidFill>
-          <a:prstDash val="solid"/>
-        </a:ln>
-      </a:lnStyleLst>
-      <a:effectStyleLst>
-        <a:effectStyle>
-          <a:effectLst>
-            <a:outerShdw blurRad="40000" dist="20000" dir="5400000" rotWithShape="0">
-              <a:srgbClr val="000000">
-                <a:alpha val="38000"/>
-              </a:srgbClr>
-            </a:outerShdw>
-          </a:effectLst>
-        </a:effectStyle>
-        <a:effectStyle>
-          <a:effectLst>
-            <a:outerShdw blurRad="40000" dist="23000" dir="5400000" rotWithShape="0">
-              <a:srgbClr val="000000">
-                <a:alpha val="35000"/>
-              </a:srgbClr>
-            </a:outerShdw>
-          </a:effectLst>
-        </a:effectStyle>
-        <a:effectStyle>
-          <a:effectLst>
-            <a:outerShdw blurRad="40000" dist="23000" dir="5400000" rotWithShape="0">
-              <a:srgbClr val="000000">
-                <a:alpha val="35000"/>
-              </a:srgbClr>
-            </a:outerShdw>
-          </a:effectLst>
-          <a:scene3d>
-            <a:camera prst="orthographicFront">
-              <a:rot lat="0" lon="0" rev="0"/>
-            </a:camera>
-            <a:lightRig rig="threePt" dir="t">
-              <a:rot lat="0" lon="0" rev="1200000"/>
-            </a:lightRig>
-          </a:scene3d>
-          <a:sp3d>
-            <a:bevelT w="63500" h="25400"/>
-          </a:sp3d>
-        </a:effectStyle>
-      </a:effectStyleLst>
-      <a:bgFillStyleLst>
-        <a:solidFill>
-          <a:schemeClr val="phClr"/>
-        </a:solidFill>
-        <a:gradFill rotWithShape="1">
-          <a:gsLst>
-            <a:gs pos="0">
-              <a:schemeClr val="phClr">
-                <a:tint val="40000"/>
-                <a:satMod val="350000"/>
-              </a:schemeClr>
-            </a:gs>
-            <a:gs pos="40000">
-              <a:schemeClr val="phClr">
-                <a:tint val="45000"/>
-                <a:shade val="99000"/>
-                <a:satMod val="350000"/>
-              </a:schemeClr>
-            </a:gs>
-            <a:gs pos="100000">
-              <a:schemeClr val="phClr">
-                <a:shade val="20000"/>
-                <a:satMod val="255000"/>
-              </a:schemeClr>
-            </a:gs>
-          </a:gsLst>
-          <a:path path="circle">
-            <a:fillToRect l="50000" t="-80000" r="50000" b="180000"/>
-          </a:path>
-        </a:gradFill>
-        <a:gradFill rotWithShape="1">
-          <a:gsLst>
-            <a:gs pos="0">
-              <a:schemeClr val="phClr">
-                <a:tint val="80000"/>
-                <a:satMod val="300000"/>
-              </a:schemeClr>
-            </a:gs>
-            <a:gs pos="100000">
-              <a:schemeClr val="phClr">
-                <a:shade val="30000"/>
-                <a:satMod val="200000"/>
-              </a:schemeClr>
-            </a:gs>
-          </a:gsLst>
-          <a:path path="circle">
-            <a:fillToRect l="50000" t="50000" r="50000" b="50000"/>
-          </a:path>
-        </a:gradFill>
-      </a:bgFillStyleLst>
-    </a:fmtScheme>
-  </a:themeElements>
-</a:theme>
 </file>
--- a/codeCoverage.pptx
+++ b/codeCoverage.pptx
@@ -9118,7 +9118,7 @@
             <a:tbl>
               <a:tblPr>
                 <a:noFill/>
-                <a:tableStyleId>{AFCB7FE4-11F1-468A-A0AD-B5FBDF33E894}</a:tableStyleId>
+                <a:tableStyleId>{98B39DCC-DDB8-4E94-8801-1A5F882AB018}</a:tableStyleId>
               </a:tblPr>
               <a:tblGrid>
                 <a:gridCol w="1463375"/>
@@ -9284,7 +9284,7 @@
                       </a:pPr>
                       <a:r>
                         <a:rPr lang="en"/>
-                        <a:t>Delete the code under test</a:t>
+                        <a:t>In the test, remove the call to the code under test</a:t>
                       </a:r>
                       <a:endParaRPr/>
                     </a:p>
@@ -9861,7 +9861,7 @@
         </p:nvSpPr>
         <p:spPr>
           <a:xfrm>
-            <a:off x="311700" y="1164450"/>
+            <a:off x="311663" y="1164450"/>
             <a:ext cx="1463400" cy="822900"/>
           </a:xfrm>
           <a:prstGeom prst="rect">
@@ -9908,7 +9908,7 @@
         </p:nvSpPr>
         <p:spPr>
           <a:xfrm>
-            <a:off x="1775100" y="1164450"/>
+            <a:off x="1775063" y="1164450"/>
             <a:ext cx="2085300" cy="822900"/>
           </a:xfrm>
           <a:prstGeom prst="rect">
@@ -9955,7 +9955,7 @@
         </p:nvSpPr>
         <p:spPr>
           <a:xfrm>
-            <a:off x="3860525" y="1164450"/>
+            <a:off x="3860488" y="1164450"/>
             <a:ext cx="963600" cy="822900"/>
           </a:xfrm>
           <a:prstGeom prst="rect">
@@ -10002,7 +10002,7 @@
         </p:nvSpPr>
         <p:spPr>
           <a:xfrm>
-            <a:off x="4824250" y="1164450"/>
+            <a:off x="4824213" y="1164450"/>
             <a:ext cx="1925700" cy="822900"/>
           </a:xfrm>
           <a:prstGeom prst="rect">
@@ -10049,7 +10049,7 @@
         </p:nvSpPr>
         <p:spPr>
           <a:xfrm>
-            <a:off x="6750075" y="1164450"/>
+            <a:off x="6750038" y="1164450"/>
             <a:ext cx="1969800" cy="822900"/>
           </a:xfrm>
           <a:prstGeom prst="rect">
